--- a/COVID-19 Cases in the United States.pptx
+++ b/COVID-19 Cases in the United States.pptx
@@ -5,22 +5,24 @@
     <p:sldMasterId id="2147483686" r:id="rId1"/>
   </p:sldMasterIdLst>
   <p:notesMasterIdLst>
-    <p:notesMasterId r:id="rId15"/>
+    <p:notesMasterId r:id="rId17"/>
   </p:notesMasterIdLst>
   <p:sldIdLst>
     <p:sldId id="256" r:id="rId2"/>
-    <p:sldId id="260" r:id="rId3"/>
-    <p:sldId id="262" r:id="rId4"/>
-    <p:sldId id="257" r:id="rId5"/>
-    <p:sldId id="261" r:id="rId6"/>
-    <p:sldId id="259" r:id="rId7"/>
-    <p:sldId id="258" r:id="rId8"/>
-    <p:sldId id="267" r:id="rId9"/>
-    <p:sldId id="263" r:id="rId10"/>
-    <p:sldId id="264" r:id="rId11"/>
-    <p:sldId id="268" r:id="rId12"/>
-    <p:sldId id="265" r:id="rId13"/>
-    <p:sldId id="266" r:id="rId14"/>
+    <p:sldId id="269" r:id="rId3"/>
+    <p:sldId id="260" r:id="rId4"/>
+    <p:sldId id="262" r:id="rId5"/>
+    <p:sldId id="257" r:id="rId6"/>
+    <p:sldId id="261" r:id="rId7"/>
+    <p:sldId id="259" r:id="rId8"/>
+    <p:sldId id="258" r:id="rId9"/>
+    <p:sldId id="267" r:id="rId10"/>
+    <p:sldId id="263" r:id="rId11"/>
+    <p:sldId id="264" r:id="rId12"/>
+    <p:sldId id="268" r:id="rId13"/>
+    <p:sldId id="265" r:id="rId14"/>
+    <p:sldId id="270" r:id="rId15"/>
+    <p:sldId id="266" r:id="rId16"/>
   </p:sldIdLst>
   <p:sldSz cx="12192000" cy="6858000"/>
   <p:notesSz cx="6858000" cy="9144000"/>
@@ -119,6 +121,11 @@
       </a:defRPr>
     </a:lvl9pPr>
   </p:defaultTextStyle>
+  <p:extLst>
+    <p:ext uri="{EFAFB233-063F-42B5-8137-9DF3F51BA10A}">
+      <p15:sldGuideLst xmlns:p15="http://schemas.microsoft.com/office/powerpoint/2012/main"/>
+    </p:ext>
+  </p:extLst>
 </p:presentation>
 </file>
 
@@ -204,7 +211,7 @@
           <a:p>
             <a:fld id="{A7696584-7B90-41AB-B5EF-7FCDAA772228}" type="datetimeFigureOut">
               <a:rPr lang="en-US" smtClean="0"/>
-              <a:t>8/22/2020</a:t>
+              <a:t>8/25/2020</a:t>
             </a:fld>
             <a:endParaRPr lang="en-US"/>
           </a:p>
@@ -646,7 +653,7 @@
           <a:p>
             <a:fld id="{FA3F43E4-406D-4EE6-AD6F-1DA262BA6F9D}" type="slidenum">
               <a:rPr lang="en-US" smtClean="0"/>
-              <a:t>10</a:t>
+              <a:t>11</a:t>
             </a:fld>
             <a:endParaRPr lang="en-US"/>
           </a:p>
@@ -733,7 +740,7 @@
           <a:p>
             <a:fld id="{FA3F43E4-406D-4EE6-AD6F-1DA262BA6F9D}" type="slidenum">
               <a:rPr lang="en-US" smtClean="0"/>
-              <a:t>11</a:t>
+              <a:t>12</a:t>
             </a:fld>
             <a:endParaRPr lang="en-US"/>
           </a:p>
@@ -820,7 +827,7 @@
           <a:p>
             <a:fld id="{FA3F43E4-406D-4EE6-AD6F-1DA262BA6F9D}" type="slidenum">
               <a:rPr lang="en-US" smtClean="0"/>
-              <a:t>12</a:t>
+              <a:t>13</a:t>
             </a:fld>
             <a:endParaRPr lang="en-US"/>
           </a:p>
@@ -907,7 +914,7 @@
           <a:p>
             <a:fld id="{FA3F43E4-406D-4EE6-AD6F-1DA262BA6F9D}" type="slidenum">
               <a:rPr lang="en-US" smtClean="0"/>
-              <a:t>13</a:t>
+              <a:t>15</a:t>
             </a:fld>
             <a:endParaRPr lang="en-US"/>
           </a:p>
@@ -994,7 +1001,7 @@
           <a:p>
             <a:fld id="{FA3F43E4-406D-4EE6-AD6F-1DA262BA6F9D}" type="slidenum">
               <a:rPr lang="en-US" smtClean="0"/>
-              <a:t>2</a:t>
+              <a:t>3</a:t>
             </a:fld>
             <a:endParaRPr lang="en-US"/>
           </a:p>
@@ -1081,7 +1088,7 @@
           <a:p>
             <a:fld id="{FA3F43E4-406D-4EE6-AD6F-1DA262BA6F9D}" type="slidenum">
               <a:rPr lang="en-US" smtClean="0"/>
-              <a:t>3</a:t>
+              <a:t>4</a:t>
             </a:fld>
             <a:endParaRPr lang="en-US"/>
           </a:p>
@@ -1168,7 +1175,7 @@
           <a:p>
             <a:fld id="{FA3F43E4-406D-4EE6-AD6F-1DA262BA6F9D}" type="slidenum">
               <a:rPr lang="en-US" smtClean="0"/>
-              <a:t>4</a:t>
+              <a:t>5</a:t>
             </a:fld>
             <a:endParaRPr lang="en-US"/>
           </a:p>
@@ -1255,7 +1262,7 @@
           <a:p>
             <a:fld id="{FA3F43E4-406D-4EE6-AD6F-1DA262BA6F9D}" type="slidenum">
               <a:rPr lang="en-US" smtClean="0"/>
-              <a:t>5</a:t>
+              <a:t>6</a:t>
             </a:fld>
             <a:endParaRPr lang="en-US"/>
           </a:p>
@@ -1342,7 +1349,7 @@
           <a:p>
             <a:fld id="{FA3F43E4-406D-4EE6-AD6F-1DA262BA6F9D}" type="slidenum">
               <a:rPr lang="en-US" smtClean="0"/>
-              <a:t>6</a:t>
+              <a:t>7</a:t>
             </a:fld>
             <a:endParaRPr lang="en-US"/>
           </a:p>
@@ -1429,7 +1436,7 @@
           <a:p>
             <a:fld id="{FA3F43E4-406D-4EE6-AD6F-1DA262BA6F9D}" type="slidenum">
               <a:rPr lang="en-US" smtClean="0"/>
-              <a:t>7</a:t>
+              <a:t>8</a:t>
             </a:fld>
             <a:endParaRPr lang="en-US"/>
           </a:p>
@@ -1516,7 +1523,7 @@
           <a:p>
             <a:fld id="{FA3F43E4-406D-4EE6-AD6F-1DA262BA6F9D}" type="slidenum">
               <a:rPr lang="en-US" smtClean="0"/>
-              <a:t>8</a:t>
+              <a:t>9</a:t>
             </a:fld>
             <a:endParaRPr lang="en-US"/>
           </a:p>
@@ -1603,7 +1610,7 @@
           <a:p>
             <a:fld id="{FA3F43E4-406D-4EE6-AD6F-1DA262BA6F9D}" type="slidenum">
               <a:rPr lang="en-US" smtClean="0"/>
-              <a:t>9</a:t>
+              <a:t>10</a:t>
             </a:fld>
             <a:endParaRPr lang="en-US"/>
           </a:p>
@@ -2344,7 +2351,7 @@
           <a:p>
             <a:fld id="{6A4B53A7-3209-46A6-9454-F38EAC8F11E7}" type="datetimeFigureOut">
               <a:rPr lang="en-US" smtClean="0"/>
-              <a:t>8/22/2020</a:t>
+              <a:t>8/25/2020</a:t>
             </a:fld>
             <a:endParaRPr lang="en-US"/>
           </a:p>
@@ -2596,7 +2603,7 @@
             <a:fld id="{6A4B53A7-3209-46A6-9454-F38EAC8F11E7}" type="datetimeFigureOut">
               <a:rPr lang="en-US" smtClean="0"/>
               <a:pPr/>
-              <a:t>8/22/2020</a:t>
+              <a:t>8/25/2020</a:t>
             </a:fld>
             <a:endParaRPr lang="en-US" dirty="0"/>
           </a:p>
@@ -2912,7 +2919,7 @@
             <a:fld id="{6A4B53A7-3209-46A6-9454-F38EAC8F11E7}" type="datetimeFigureOut">
               <a:rPr lang="en-US" smtClean="0"/>
               <a:pPr/>
-              <a:t>8/22/2020</a:t>
+              <a:t>8/25/2020</a:t>
             </a:fld>
             <a:endParaRPr lang="en-US" dirty="0"/>
           </a:p>
@@ -3255,7 +3262,7 @@
             <a:fld id="{6A4B53A7-3209-46A6-9454-F38EAC8F11E7}" type="datetimeFigureOut">
               <a:rPr lang="en-US" smtClean="0"/>
               <a:pPr/>
-              <a:t>8/22/2020</a:t>
+              <a:t>8/25/2020</a:t>
             </a:fld>
             <a:endParaRPr lang="en-US" dirty="0"/>
           </a:p>
@@ -3571,7 +3578,7 @@
             <a:fld id="{6A4B53A7-3209-46A6-9454-F38EAC8F11E7}" type="datetimeFigureOut">
               <a:rPr lang="en-US" smtClean="0"/>
               <a:pPr/>
-              <a:t>8/22/2020</a:t>
+              <a:t>8/25/2020</a:t>
             </a:fld>
             <a:endParaRPr lang="en-US" dirty="0"/>
           </a:p>
@@ -3966,7 +3973,7 @@
             <a:fld id="{6A4B53A7-3209-46A6-9454-F38EAC8F11E7}" type="datetimeFigureOut">
               <a:rPr lang="en-US" smtClean="0"/>
               <a:pPr/>
-              <a:t>8/22/2020</a:t>
+              <a:t>8/25/2020</a:t>
             </a:fld>
             <a:endParaRPr lang="en-US" dirty="0"/>
           </a:p>
@@ -4137,7 +4144,7 @@
           <a:p>
             <a:fld id="{6A4B53A7-3209-46A6-9454-F38EAC8F11E7}" type="datetimeFigureOut">
               <a:rPr lang="en-US" smtClean="0"/>
-              <a:t>8/22/2020</a:t>
+              <a:t>8/25/2020</a:t>
             </a:fld>
             <a:endParaRPr lang="en-US"/>
           </a:p>
@@ -4317,7 +4324,7 @@
           <a:p>
             <a:fld id="{6A4B53A7-3209-46A6-9454-F38EAC8F11E7}" type="datetimeFigureOut">
               <a:rPr lang="en-US" smtClean="0"/>
-              <a:t>8/22/2020</a:t>
+              <a:t>8/25/2020</a:t>
             </a:fld>
             <a:endParaRPr lang="en-US"/>
           </a:p>
@@ -4493,7 +4500,7 @@
           <a:p>
             <a:fld id="{6A4B53A7-3209-46A6-9454-F38EAC8F11E7}" type="datetimeFigureOut">
               <a:rPr lang="en-US" smtClean="0"/>
-              <a:t>8/22/2020</a:t>
+              <a:t>8/25/2020</a:t>
             </a:fld>
             <a:endParaRPr lang="en-US"/>
           </a:p>
@@ -4740,7 +4747,7 @@
           <a:p>
             <a:fld id="{6A4B53A7-3209-46A6-9454-F38EAC8F11E7}" type="datetimeFigureOut">
               <a:rPr lang="en-US" smtClean="0"/>
-              <a:t>8/22/2020</a:t>
+              <a:t>8/25/2020</a:t>
             </a:fld>
             <a:endParaRPr lang="en-US"/>
           </a:p>
@@ -4972,7 +4979,7 @@
           <a:p>
             <a:fld id="{6A4B53A7-3209-46A6-9454-F38EAC8F11E7}" type="datetimeFigureOut">
               <a:rPr lang="en-US" smtClean="0"/>
-              <a:t>8/22/2020</a:t>
+              <a:t>8/25/2020</a:t>
             </a:fld>
             <a:endParaRPr lang="en-US"/>
           </a:p>
@@ -5346,7 +5353,7 @@
           <a:p>
             <a:fld id="{6A4B53A7-3209-46A6-9454-F38EAC8F11E7}" type="datetimeFigureOut">
               <a:rPr lang="en-US" smtClean="0"/>
-              <a:t>8/22/2020</a:t>
+              <a:t>8/25/2020</a:t>
             </a:fld>
             <a:endParaRPr lang="en-US"/>
           </a:p>
@@ -5469,7 +5476,7 @@
           <a:p>
             <a:fld id="{6A4B53A7-3209-46A6-9454-F38EAC8F11E7}" type="datetimeFigureOut">
               <a:rPr lang="en-US" smtClean="0"/>
-              <a:t>8/22/2020</a:t>
+              <a:t>8/25/2020</a:t>
             </a:fld>
             <a:endParaRPr lang="en-US"/>
           </a:p>
@@ -5564,7 +5571,7 @@
           <a:p>
             <a:fld id="{6A4B53A7-3209-46A6-9454-F38EAC8F11E7}" type="datetimeFigureOut">
               <a:rPr lang="en-US" smtClean="0"/>
-              <a:t>8/22/2020</a:t>
+              <a:t>8/25/2020</a:t>
             </a:fld>
             <a:endParaRPr lang="en-US"/>
           </a:p>
@@ -5819,7 +5826,7 @@
           <a:p>
             <a:fld id="{6A4B53A7-3209-46A6-9454-F38EAC8F11E7}" type="datetimeFigureOut">
               <a:rPr lang="en-US" smtClean="0"/>
-              <a:t>8/22/2020</a:t>
+              <a:t>8/25/2020</a:t>
             </a:fld>
             <a:endParaRPr lang="en-US"/>
           </a:p>
@@ -6082,7 +6089,7 @@
           <a:p>
             <a:fld id="{6A4B53A7-3209-46A6-9454-F38EAC8F11E7}" type="datetimeFigureOut">
               <a:rPr lang="en-US" smtClean="0"/>
-              <a:t>8/22/2020</a:t>
+              <a:t>8/25/2020</a:t>
             </a:fld>
             <a:endParaRPr lang="en-US"/>
           </a:p>
@@ -6826,7 +6833,7 @@
             <a:fld id="{6A4B53A7-3209-46A6-9454-F38EAC8F11E7}" type="datetimeFigureOut">
               <a:rPr lang="en-US" smtClean="0"/>
               <a:pPr/>
-              <a:t>8/22/2020</a:t>
+              <a:t>8/25/2020</a:t>
             </a:fld>
             <a:endParaRPr lang="en-US" dirty="0"/>
           </a:p>
@@ -7865,12 +7872,12 @@
         <p:spPr>
           <a:xfrm>
             <a:off x="4791450" y="1678665"/>
-            <a:ext cx="4482553" cy="2369131"/>
+            <a:ext cx="4967456" cy="2369131"/>
           </a:xfrm>
         </p:spPr>
         <p:txBody>
           <a:bodyPr>
-            <a:normAutofit/>
+            <a:normAutofit fontScale="90000"/>
           </a:bodyPr>
           <a:lstStyle/>
           <a:p>
@@ -7881,15 +7888,25 @@
             </a:pPr>
             <a:r>
               <a:rPr lang="en-US" sz="4500" dirty="0"/>
-              <a:t>COVID-19 Cases </a:t>
-            </a:r>
+              <a:t>The 2020 Pandemic: COVID-19 Cases </a:t>
+            </a:r>
+            <a:br>
+              <a:rPr lang="en-US" sz="4500" dirty="0"/>
+            </a:br>
             <a:r>
               <a:rPr lang="en-US" sz="4500" b="1" dirty="0"/>
               <a:t>in</a:t>
             </a:r>
             <a:r>
               <a:rPr lang="en-US" sz="4500" dirty="0"/>
-              <a:t> the United States (U.S.)</a:t>
+              <a:t> the </a:t>
+            </a:r>
+            <a:br>
+              <a:rPr lang="en-US" sz="4500" dirty="0"/>
+            </a:br>
+            <a:r>
+              <a:rPr lang="en-US" sz="4500" dirty="0"/>
+              <a:t>United States (U.S.)</a:t>
             </a:r>
           </a:p>
         </p:txBody>
@@ -8297,6 +8314,138 @@
           <p:cNvPr id="2" name="Title 1">
             <a:extLst>
               <a:ext uri="{FF2B5EF4-FFF2-40B4-BE49-F238E27FC236}">
+                <a16:creationId xmlns:a16="http://schemas.microsoft.com/office/drawing/2014/main" id="{6FF0E306-DE56-4CF8-B9C7-7690EFC0F4D4}"/>
+              </a:ext>
+            </a:extLst>
+          </p:cNvPr>
+          <p:cNvSpPr>
+            <a:spLocks noGrp="1"/>
+          </p:cNvSpPr>
+          <p:nvPr>
+            <p:ph type="title"/>
+          </p:nvPr>
+        </p:nvSpPr>
+        <p:spPr/>
+        <p:txBody>
+          <a:bodyPr>
+            <a:normAutofit fontScale="90000"/>
+          </a:bodyPr>
+          <a:lstStyle/>
+          <a:p>
+            <a:pPr algn="ctr"/>
+            <a:r>
+              <a:rPr lang="en-US" sz="3200" dirty="0"/>
+              <a:t>Scatter Plot with Linear Regression Line of  Population Density by Number of COVID-19 Cases (with Outliers)</a:t>
+            </a:r>
+          </a:p>
+        </p:txBody>
+      </p:sp>
+      <p:pic>
+        <p:nvPicPr>
+          <p:cNvPr id="23" name="Content Placeholder 22" descr="A screenshot of a cell phone&#10;&#10;Description automatically generated">
+            <a:extLst>
+              <a:ext uri="{FF2B5EF4-FFF2-40B4-BE49-F238E27FC236}">
+                <a16:creationId xmlns:a16="http://schemas.microsoft.com/office/drawing/2014/main" id="{1D512D74-F6F4-4842-A437-90659977977C}"/>
+              </a:ext>
+            </a:extLst>
+          </p:cNvPr>
+          <p:cNvPicPr>
+            <a:picLocks noGrp="1" noChangeAspect="1"/>
+          </p:cNvPicPr>
+          <p:nvPr>
+            <p:ph idx="1"/>
+          </p:nvPr>
+        </p:nvPicPr>
+        <p:blipFill>
+          <a:blip r:embed="rId3">
+            <a:extLst>
+              <a:ext uri="{28A0092B-C50C-407E-A947-70E740481C1C}">
+                <a14:useLocalDpi xmlns:a14="http://schemas.microsoft.com/office/drawing/2010/main" val="0"/>
+              </a:ext>
+            </a:extLst>
+          </a:blip>
+          <a:stretch>
+            <a:fillRect/>
+          </a:stretch>
+        </p:blipFill>
+        <p:spPr>
+          <a:xfrm>
+            <a:off x="328689" y="2048429"/>
+            <a:ext cx="5767311" cy="3641172"/>
+          </a:xfrm>
+        </p:spPr>
+      </p:pic>
+      <p:pic>
+        <p:nvPicPr>
+          <p:cNvPr id="25" name="Picture 24" descr="A screenshot of a cell phone&#10;&#10;Description automatically generated">
+            <a:extLst>
+              <a:ext uri="{FF2B5EF4-FFF2-40B4-BE49-F238E27FC236}">
+                <a16:creationId xmlns:a16="http://schemas.microsoft.com/office/drawing/2014/main" id="{CDFE3DCA-0533-4DED-88E5-615E7CFD88FE}"/>
+              </a:ext>
+            </a:extLst>
+          </p:cNvPr>
+          <p:cNvPicPr>
+            <a:picLocks noChangeAspect="1"/>
+          </p:cNvPicPr>
+          <p:nvPr/>
+        </p:nvPicPr>
+        <p:blipFill>
+          <a:blip r:embed="rId4">
+            <a:extLst>
+              <a:ext uri="{28A0092B-C50C-407E-A947-70E740481C1C}">
+                <a14:useLocalDpi xmlns:a14="http://schemas.microsoft.com/office/drawing/2010/main" val="0"/>
+              </a:ext>
+            </a:extLst>
+          </a:blip>
+          <a:stretch>
+            <a:fillRect/>
+          </a:stretch>
+        </p:blipFill>
+        <p:spPr>
+          <a:xfrm>
+            <a:off x="5622377" y="2844800"/>
+            <a:ext cx="6569623" cy="1818912"/>
+          </a:xfrm>
+          <a:prstGeom prst="rect">
+            <a:avLst/>
+          </a:prstGeom>
+        </p:spPr>
+      </p:pic>
+    </p:spTree>
+    <p:extLst>
+      <p:ext uri="{BB962C8B-B14F-4D97-AF65-F5344CB8AC3E}">
+        <p14:creationId xmlns:p14="http://schemas.microsoft.com/office/powerpoint/2010/main" val="3592791607"/>
+      </p:ext>
+    </p:extLst>
+  </p:cSld>
+  <p:clrMapOvr>
+    <a:masterClrMapping/>
+  </p:clrMapOvr>
+</p:sld>
+</file>
+
+<file path=ppt/slides/slide11.xml><?xml version="1.0" encoding="utf-8"?>
+<p:sld xmlns:a="http://schemas.openxmlformats.org/drawingml/2006/main" xmlns:r="http://schemas.openxmlformats.org/officeDocument/2006/relationships" xmlns:p="http://schemas.openxmlformats.org/presentationml/2006/main">
+  <p:cSld>
+    <p:spTree>
+      <p:nvGrpSpPr>
+        <p:cNvPr id="1" name=""/>
+        <p:cNvGrpSpPr/>
+        <p:nvPr/>
+      </p:nvGrpSpPr>
+      <p:grpSpPr>
+        <a:xfrm>
+          <a:off x="0" y="0"/>
+          <a:ext cx="0" cy="0"/>
+          <a:chOff x="0" y="0"/>
+          <a:chExt cx="0" cy="0"/>
+        </a:xfrm>
+      </p:grpSpPr>
+      <p:sp>
+        <p:nvSpPr>
+          <p:cNvPr id="2" name="Title 1">
+            <a:extLst>
+              <a:ext uri="{FF2B5EF4-FFF2-40B4-BE49-F238E27FC236}">
                 <a16:creationId xmlns:a16="http://schemas.microsoft.com/office/drawing/2014/main" id="{99567704-4993-4C94-AA4F-3ABB82C944A2}"/>
               </a:ext>
             </a:extLst>
@@ -8408,7 +8557,7 @@
 </p:sld>
 </file>
 
-<file path=ppt/slides/slide11.xml><?xml version="1.0" encoding="utf-8"?>
+<file path=ppt/slides/slide12.xml><?xml version="1.0" encoding="utf-8"?>
 <p:sld xmlns:a="http://schemas.openxmlformats.org/drawingml/2006/main" xmlns:r="http://schemas.openxmlformats.org/officeDocument/2006/relationships" xmlns:p="http://schemas.openxmlformats.org/presentationml/2006/main">
   <p:cSld>
     <p:spTree>
@@ -8505,7 +8654,7 @@
 </p:sld>
 </file>
 
-<file path=ppt/slides/slide12.xml><?xml version="1.0" encoding="utf-8"?>
+<file path=ppt/slides/slide13.xml><?xml version="1.0" encoding="utf-8"?>
 <p:sld xmlns:a="http://schemas.openxmlformats.org/drawingml/2006/main" xmlns:r="http://schemas.openxmlformats.org/officeDocument/2006/relationships" xmlns:p="http://schemas.openxmlformats.org/presentationml/2006/main">
   <p:cSld>
     <p:spTree>
@@ -8748,7 +8897,7 @@
 </p:sld>
 </file>
 
-<file path=ppt/slides/slide13.xml><?xml version="1.0" encoding="utf-8"?>
+<file path=ppt/slides/slide14.xml><?xml version="1.0" encoding="utf-8"?>
 <p:sld xmlns:a="http://schemas.openxmlformats.org/drawingml/2006/main" xmlns:r="http://schemas.openxmlformats.org/officeDocument/2006/relationships" xmlns:p="http://schemas.openxmlformats.org/presentationml/2006/main">
   <p:cSld>
     <p:spTree>
@@ -8770,6 +8919,195 @@
           <p:cNvPr id="2" name="Title 1">
             <a:extLst>
               <a:ext uri="{FF2B5EF4-FFF2-40B4-BE49-F238E27FC236}">
+                <a16:creationId xmlns:a16="http://schemas.microsoft.com/office/drawing/2014/main" id="{06D6FEE4-E43D-4A13-B6D0-119EDF61417C}"/>
+              </a:ext>
+            </a:extLst>
+          </p:cNvPr>
+          <p:cNvSpPr>
+            <a:spLocks noGrp="1"/>
+          </p:cNvSpPr>
+          <p:nvPr>
+            <p:ph type="title"/>
+          </p:nvPr>
+        </p:nvSpPr>
+        <p:spPr>
+          <a:xfrm>
+            <a:off x="677334" y="609600"/>
+            <a:ext cx="8596668" cy="748145"/>
+          </a:xfrm>
+        </p:spPr>
+        <p:txBody>
+          <a:bodyPr/>
+          <a:lstStyle/>
+          <a:p>
+            <a:r>
+              <a:rPr lang="en-US" dirty="0"/>
+              <a:t>Summary:</a:t>
+            </a:r>
+          </a:p>
+        </p:txBody>
+      </p:sp>
+      <p:sp>
+        <p:nvSpPr>
+          <p:cNvPr id="3" name="Content Placeholder 2">
+            <a:extLst>
+              <a:ext uri="{FF2B5EF4-FFF2-40B4-BE49-F238E27FC236}">
+                <a16:creationId xmlns:a16="http://schemas.microsoft.com/office/drawing/2014/main" id="{880D246E-4068-4352-ABCC-038E9A0CC3FC}"/>
+              </a:ext>
+            </a:extLst>
+          </p:cNvPr>
+          <p:cNvSpPr>
+            <a:spLocks noGrp="1"/>
+          </p:cNvSpPr>
+          <p:nvPr>
+            <p:ph idx="1"/>
+          </p:nvPr>
+        </p:nvSpPr>
+        <p:spPr>
+          <a:xfrm>
+            <a:off x="677334" y="1357745"/>
+            <a:ext cx="8596668" cy="4683617"/>
+          </a:xfrm>
+        </p:spPr>
+        <p:txBody>
+          <a:bodyPr>
+            <a:normAutofit fontScale="92500" lnSpcReduction="10000"/>
+          </a:bodyPr>
+          <a:lstStyle/>
+          <a:p>
+            <a:pPr>
+              <a:buFont typeface="Wingdings" panose="05000000000000000000" pitchFamily="2" charset="2"/>
+              <a:buChar char="v"/>
+            </a:pPr>
+            <a:r>
+              <a:rPr lang="en-US" dirty="0"/>
+              <a:t>There is no correlation between mortality rate and income. COVID-19 is affecting everyone from different income. </a:t>
+            </a:r>
+          </a:p>
+          <a:p>
+            <a:pPr>
+              <a:buFont typeface="Wingdings" panose="05000000000000000000" pitchFamily="2" charset="2"/>
+              <a:buChar char="§"/>
+            </a:pPr>
+            <a:r>
+              <a:rPr lang="en-US" sz="1200" dirty="0"/>
+              <a:t>Further data gathering: We can narrow down our search by looking at income ranges by taxing brackets (</a:t>
+            </a:r>
+            <a:r>
+              <a:rPr lang="en-US" sz="1200" dirty="0" err="1"/>
+              <a:t>i.g</a:t>
+            </a:r>
+            <a:r>
+              <a:rPr lang="en-US" sz="1200" dirty="0"/>
+              <a:t>., low, middle, high income) for different counties within a specific state.</a:t>
+            </a:r>
+          </a:p>
+          <a:p>
+            <a:pPr>
+              <a:buFont typeface="Wingdings" panose="05000000000000000000" pitchFamily="2" charset="2"/>
+              <a:buChar char="v"/>
+            </a:pPr>
+            <a:r>
+              <a:rPr lang="en-US" dirty="0"/>
+              <a:t>There is no correlation between population density and mortality rate. </a:t>
+            </a:r>
+          </a:p>
+          <a:p>
+            <a:pPr>
+              <a:buFont typeface="Wingdings" panose="05000000000000000000" pitchFamily="2" charset="2"/>
+              <a:buChar char="§"/>
+            </a:pPr>
+            <a:r>
+              <a:rPr lang="en-US" sz="1200" dirty="0"/>
+              <a:t>Further data gathering: We can determine if there’s a correlation between the different variables of states with lower mortality rate (e.g., number of hospitals).</a:t>
+            </a:r>
+          </a:p>
+          <a:p>
+            <a:pPr>
+              <a:buFont typeface="Wingdings" panose="05000000000000000000" pitchFamily="2" charset="2"/>
+              <a:buChar char="v"/>
+            </a:pPr>
+            <a:r>
+              <a:rPr lang="en-US" dirty="0"/>
+              <a:t>We found a moderate correlation between population density and mortality rate. Social distancing can help prevent death caused by COVID-19 and should be taken seriously.</a:t>
+            </a:r>
+          </a:p>
+          <a:p>
+            <a:pPr>
+              <a:buFont typeface="Wingdings" panose="05000000000000000000" pitchFamily="2" charset="2"/>
+              <a:buChar char="v"/>
+            </a:pPr>
+            <a:r>
+              <a:rPr lang="en-US" dirty="0"/>
+              <a:t>States to avoid based on them being upper-bound outliers with high number of COVID-19 cases are California, Florida, New York, and Texas.</a:t>
+            </a:r>
+          </a:p>
+          <a:p>
+            <a:pPr>
+              <a:buFont typeface="Wingdings" panose="05000000000000000000" pitchFamily="2" charset="2"/>
+              <a:buChar char="v"/>
+            </a:pPr>
+            <a:r>
+              <a:rPr lang="en-US" dirty="0"/>
+              <a:t>We found that every state has enough land that everyone can social distance. </a:t>
+            </a:r>
+          </a:p>
+          <a:p>
+            <a:pPr>
+              <a:buFont typeface="Wingdings" panose="05000000000000000000" pitchFamily="2" charset="2"/>
+              <a:buChar char="v"/>
+            </a:pPr>
+            <a:endParaRPr lang="en-US" dirty="0"/>
+          </a:p>
+          <a:p>
+            <a:pPr marL="0" indent="0">
+              <a:buNone/>
+            </a:pPr>
+            <a:r>
+              <a:rPr lang="en-US" b="1" dirty="0"/>
+              <a:t>Although there are a lot of unknowns of COVID-19, let’s all practice our 6 feet social distancing!</a:t>
+            </a:r>
+          </a:p>
+          <a:p>
+            <a:endParaRPr lang="en-US" dirty="0"/>
+          </a:p>
+        </p:txBody>
+      </p:sp>
+    </p:spTree>
+    <p:extLst>
+      <p:ext uri="{BB962C8B-B14F-4D97-AF65-F5344CB8AC3E}">
+        <p14:creationId xmlns:p14="http://schemas.microsoft.com/office/powerpoint/2010/main" val="1162057487"/>
+      </p:ext>
+    </p:extLst>
+  </p:cSld>
+  <p:clrMapOvr>
+    <a:masterClrMapping/>
+  </p:clrMapOvr>
+</p:sld>
+</file>
+
+<file path=ppt/slides/slide15.xml><?xml version="1.0" encoding="utf-8"?>
+<p:sld xmlns:a="http://schemas.openxmlformats.org/drawingml/2006/main" xmlns:r="http://schemas.openxmlformats.org/officeDocument/2006/relationships" xmlns:p="http://schemas.openxmlformats.org/presentationml/2006/main">
+  <p:cSld>
+    <p:spTree>
+      <p:nvGrpSpPr>
+        <p:cNvPr id="1" name=""/>
+        <p:cNvGrpSpPr/>
+        <p:nvPr/>
+      </p:nvGrpSpPr>
+      <p:grpSpPr>
+        <a:xfrm>
+          <a:off x="0" y="0"/>
+          <a:ext cx="0" cy="0"/>
+          <a:chOff x="0" y="0"/>
+          <a:chExt cx="0" cy="0"/>
+        </a:xfrm>
+      </p:grpSpPr>
+      <p:sp>
+        <p:nvSpPr>
+          <p:cNvPr id="2" name="Title 1">
+            <a:extLst>
+              <a:ext uri="{FF2B5EF4-FFF2-40B4-BE49-F238E27FC236}">
                 <a16:creationId xmlns:a16="http://schemas.microsoft.com/office/drawing/2014/main" id="{A08C7BEA-F09A-49BA-93E6-4E3E1597063E}"/>
               </a:ext>
             </a:extLst>
@@ -8814,6 +9152,124 @@
 </file>
 
 <file path=ppt/slides/slide2.xml><?xml version="1.0" encoding="utf-8"?>
+<p:sld xmlns:a="http://schemas.openxmlformats.org/drawingml/2006/main" xmlns:r="http://schemas.openxmlformats.org/officeDocument/2006/relationships" xmlns:p="http://schemas.openxmlformats.org/presentationml/2006/main">
+  <p:cSld>
+    <p:spTree>
+      <p:nvGrpSpPr>
+        <p:cNvPr id="1" name=""/>
+        <p:cNvGrpSpPr/>
+        <p:nvPr/>
+      </p:nvGrpSpPr>
+      <p:grpSpPr>
+        <a:xfrm>
+          <a:off x="0" y="0"/>
+          <a:ext cx="0" cy="0"/>
+          <a:chOff x="0" y="0"/>
+          <a:chExt cx="0" cy="0"/>
+        </a:xfrm>
+      </p:grpSpPr>
+      <p:sp>
+        <p:nvSpPr>
+          <p:cNvPr id="2" name="Title 1">
+            <a:extLst>
+              <a:ext uri="{FF2B5EF4-FFF2-40B4-BE49-F238E27FC236}">
+                <a16:creationId xmlns:a16="http://schemas.microsoft.com/office/drawing/2014/main" id="{570EB31F-306D-4957-BCBC-A5BF16788560}"/>
+              </a:ext>
+            </a:extLst>
+          </p:cNvPr>
+          <p:cNvSpPr>
+            <a:spLocks noGrp="1"/>
+          </p:cNvSpPr>
+          <p:nvPr>
+            <p:ph type="title"/>
+          </p:nvPr>
+        </p:nvSpPr>
+        <p:spPr/>
+        <p:txBody>
+          <a:bodyPr/>
+          <a:lstStyle/>
+          <a:p>
+            <a:pPr algn="ctr"/>
+            <a:r>
+              <a:rPr lang="en-US" dirty="0"/>
+              <a:t>Why is this important to us?</a:t>
+            </a:r>
+          </a:p>
+        </p:txBody>
+      </p:sp>
+      <p:sp>
+        <p:nvSpPr>
+          <p:cNvPr id="3" name="Content Placeholder 2">
+            <a:extLst>
+              <a:ext uri="{FF2B5EF4-FFF2-40B4-BE49-F238E27FC236}">
+                <a16:creationId xmlns:a16="http://schemas.microsoft.com/office/drawing/2014/main" id="{501438D6-FBC8-49E9-8F24-5BFA7BE53723}"/>
+              </a:ext>
+            </a:extLst>
+          </p:cNvPr>
+          <p:cNvSpPr>
+            <a:spLocks noGrp="1"/>
+          </p:cNvSpPr>
+          <p:nvPr>
+            <p:ph idx="1"/>
+          </p:nvPr>
+        </p:nvSpPr>
+        <p:spPr>
+          <a:xfrm>
+            <a:off x="677333" y="2160589"/>
+            <a:ext cx="9150157" cy="3880773"/>
+          </a:xfrm>
+        </p:spPr>
+        <p:txBody>
+          <a:bodyPr>
+            <a:normAutofit fontScale="92500"/>
+          </a:bodyPr>
+          <a:lstStyle/>
+          <a:p>
+            <a:r>
+              <a:rPr lang="en-US" sz="3200" dirty="0"/>
+              <a:t>The virus, coronavirus (COVID-19), is affecting everyone worldwide and nationwide.</a:t>
+            </a:r>
+          </a:p>
+          <a:p>
+            <a:r>
+              <a:rPr lang="en-US" sz="3200" dirty="0"/>
+              <a:t>During this ongoing pandemic that is continuing to affect us longer than we anticipated, no one knows exactly what COVID-19 is.</a:t>
+            </a:r>
+          </a:p>
+          <a:p>
+            <a:r>
+              <a:rPr lang="en-US" sz="3200" dirty="0"/>
+              <a:t>How to we prevent spread? Are there trends?</a:t>
+            </a:r>
+          </a:p>
+          <a:p>
+            <a:r>
+              <a:rPr lang="en-US" sz="3200" dirty="0"/>
+              <a:t>Which part of U.S. is it affecting the most?</a:t>
+            </a:r>
+          </a:p>
+          <a:p>
+            <a:pPr marL="0" indent="0">
+              <a:buNone/>
+            </a:pPr>
+            <a:endParaRPr lang="en-US" dirty="0"/>
+          </a:p>
+        </p:txBody>
+      </p:sp>
+    </p:spTree>
+    <p:extLst>
+      <p:ext uri="{BB962C8B-B14F-4D97-AF65-F5344CB8AC3E}">
+        <p14:creationId xmlns:p14="http://schemas.microsoft.com/office/powerpoint/2010/main" val="2910562001"/>
+      </p:ext>
+    </p:extLst>
+  </p:cSld>
+  <p:clrMapOvr>
+    <a:masterClrMapping/>
+  </p:clrMapOvr>
+</p:sld>
+</file>
+
+<file path=ppt/slides/slide3.xml><?xml version="1.0" encoding="utf-8"?>
 <p:sld xmlns:a="http://schemas.openxmlformats.org/drawingml/2006/main" xmlns:r="http://schemas.openxmlformats.org/officeDocument/2006/relationships" xmlns:p="http://schemas.openxmlformats.org/presentationml/2006/main">
   <p:cSld>
     <p:bg>
@@ -8987,7 +9443,7 @@
 </p:sld>
 </file>
 
-<file path=ppt/slides/slide3.xml><?xml version="1.0" encoding="utf-8"?>
+<file path=ppt/slides/slide4.xml><?xml version="1.0" encoding="utf-8"?>
 <p:sld xmlns:a="http://schemas.openxmlformats.org/drawingml/2006/main" xmlns:r="http://schemas.openxmlformats.org/officeDocument/2006/relationships" xmlns:p="http://schemas.openxmlformats.org/presentationml/2006/main">
   <p:cSld>
     <p:bg>
@@ -9375,7 +9831,7 @@
 </p:sld>
 </file>
 
-<file path=ppt/slides/slide4.xml><?xml version="1.0" encoding="utf-8"?>
+<file path=ppt/slides/slide5.xml><?xml version="1.0" encoding="utf-8"?>
 <p:sld xmlns:a="http://schemas.openxmlformats.org/drawingml/2006/main" xmlns:r="http://schemas.openxmlformats.org/officeDocument/2006/relationships" xmlns:p="http://schemas.openxmlformats.org/presentationml/2006/main">
   <p:cSld>
     <p:spTree>
@@ -9476,7 +9932,7 @@
 </p:sld>
 </file>
 
-<file path=ppt/slides/slide5.xml><?xml version="1.0" encoding="utf-8"?>
+<file path=ppt/slides/slide6.xml><?xml version="1.0" encoding="utf-8"?>
 <p:sld xmlns:a="http://schemas.openxmlformats.org/drawingml/2006/main" xmlns:r="http://schemas.openxmlformats.org/officeDocument/2006/relationships" xmlns:p="http://schemas.openxmlformats.org/presentationml/2006/main">
   <p:cSld>
     <p:spTree>
@@ -9577,7 +10033,7 @@
 </p:sld>
 </file>
 
-<file path=ppt/slides/slide6.xml><?xml version="1.0" encoding="utf-8"?>
+<file path=ppt/slides/slide7.xml><?xml version="1.0" encoding="utf-8"?>
 <p:sld xmlns:a="http://schemas.openxmlformats.org/drawingml/2006/main" xmlns:r="http://schemas.openxmlformats.org/officeDocument/2006/relationships" xmlns:p="http://schemas.openxmlformats.org/presentationml/2006/main">
   <p:cSld>
     <p:spTree>
@@ -9724,7 +10180,7 @@
 </p:sld>
 </file>
 
-<file path=ppt/slides/slide7.xml><?xml version="1.0" encoding="utf-8"?>
+<file path=ppt/slides/slide8.xml><?xml version="1.0" encoding="utf-8"?>
 <p:sld xmlns:a="http://schemas.openxmlformats.org/drawingml/2006/main" xmlns:r="http://schemas.openxmlformats.org/officeDocument/2006/relationships" xmlns:p="http://schemas.openxmlformats.org/presentationml/2006/main">
   <p:cSld>
     <p:spTree>
@@ -9860,7 +10316,7 @@
 </p:sld>
 </file>
 
-<file path=ppt/slides/slide8.xml><?xml version="1.0" encoding="utf-8"?>
+<file path=ppt/slides/slide9.xml><?xml version="1.0" encoding="utf-8"?>
 <p:sld xmlns:a="http://schemas.openxmlformats.org/drawingml/2006/main" xmlns:r="http://schemas.openxmlformats.org/officeDocument/2006/relationships" xmlns:p="http://schemas.openxmlformats.org/presentationml/2006/main">
   <p:cSld>
     <p:spTree>
@@ -9978,138 +10434,6 @@
     <p:extLst>
       <p:ext uri="{BB962C8B-B14F-4D97-AF65-F5344CB8AC3E}">
         <p14:creationId xmlns:p14="http://schemas.microsoft.com/office/powerpoint/2010/main" val="4148143886"/>
-      </p:ext>
-    </p:extLst>
-  </p:cSld>
-  <p:clrMapOvr>
-    <a:masterClrMapping/>
-  </p:clrMapOvr>
-</p:sld>
-</file>
-
-<file path=ppt/slides/slide9.xml><?xml version="1.0" encoding="utf-8"?>
-<p:sld xmlns:a="http://schemas.openxmlformats.org/drawingml/2006/main" xmlns:r="http://schemas.openxmlformats.org/officeDocument/2006/relationships" xmlns:p="http://schemas.openxmlformats.org/presentationml/2006/main">
-  <p:cSld>
-    <p:spTree>
-      <p:nvGrpSpPr>
-        <p:cNvPr id="1" name=""/>
-        <p:cNvGrpSpPr/>
-        <p:nvPr/>
-      </p:nvGrpSpPr>
-      <p:grpSpPr>
-        <a:xfrm>
-          <a:off x="0" y="0"/>
-          <a:ext cx="0" cy="0"/>
-          <a:chOff x="0" y="0"/>
-          <a:chExt cx="0" cy="0"/>
-        </a:xfrm>
-      </p:grpSpPr>
-      <p:sp>
-        <p:nvSpPr>
-          <p:cNvPr id="2" name="Title 1">
-            <a:extLst>
-              <a:ext uri="{FF2B5EF4-FFF2-40B4-BE49-F238E27FC236}">
-                <a16:creationId xmlns:a16="http://schemas.microsoft.com/office/drawing/2014/main" id="{6FF0E306-DE56-4CF8-B9C7-7690EFC0F4D4}"/>
-              </a:ext>
-            </a:extLst>
-          </p:cNvPr>
-          <p:cNvSpPr>
-            <a:spLocks noGrp="1"/>
-          </p:cNvSpPr>
-          <p:nvPr>
-            <p:ph type="title"/>
-          </p:nvPr>
-        </p:nvSpPr>
-        <p:spPr/>
-        <p:txBody>
-          <a:bodyPr>
-            <a:normAutofit fontScale="90000"/>
-          </a:bodyPr>
-          <a:lstStyle/>
-          <a:p>
-            <a:pPr algn="ctr"/>
-            <a:r>
-              <a:rPr lang="en-US" sz="3200" dirty="0"/>
-              <a:t>Scatter Plot with Linear Regression Line of  Population Density by Number of COVID-19 Cases (with Outliers)</a:t>
-            </a:r>
-          </a:p>
-        </p:txBody>
-      </p:sp>
-      <p:pic>
-        <p:nvPicPr>
-          <p:cNvPr id="23" name="Content Placeholder 22" descr="A screenshot of a cell phone&#10;&#10;Description automatically generated">
-            <a:extLst>
-              <a:ext uri="{FF2B5EF4-FFF2-40B4-BE49-F238E27FC236}">
-                <a16:creationId xmlns:a16="http://schemas.microsoft.com/office/drawing/2014/main" id="{1D512D74-F6F4-4842-A437-90659977977C}"/>
-              </a:ext>
-            </a:extLst>
-          </p:cNvPr>
-          <p:cNvPicPr>
-            <a:picLocks noGrp="1" noChangeAspect="1"/>
-          </p:cNvPicPr>
-          <p:nvPr>
-            <p:ph idx="1"/>
-          </p:nvPr>
-        </p:nvPicPr>
-        <p:blipFill>
-          <a:blip r:embed="rId3">
-            <a:extLst>
-              <a:ext uri="{28A0092B-C50C-407E-A947-70E740481C1C}">
-                <a14:useLocalDpi xmlns:a14="http://schemas.microsoft.com/office/drawing/2010/main" val="0"/>
-              </a:ext>
-            </a:extLst>
-          </a:blip>
-          <a:stretch>
-            <a:fillRect/>
-          </a:stretch>
-        </p:blipFill>
-        <p:spPr>
-          <a:xfrm>
-            <a:off x="328689" y="2048429"/>
-            <a:ext cx="5767311" cy="3641172"/>
-          </a:xfrm>
-        </p:spPr>
-      </p:pic>
-      <p:pic>
-        <p:nvPicPr>
-          <p:cNvPr id="25" name="Picture 24" descr="A screenshot of a cell phone&#10;&#10;Description automatically generated">
-            <a:extLst>
-              <a:ext uri="{FF2B5EF4-FFF2-40B4-BE49-F238E27FC236}">
-                <a16:creationId xmlns:a16="http://schemas.microsoft.com/office/drawing/2014/main" id="{CDFE3DCA-0533-4DED-88E5-615E7CFD88FE}"/>
-              </a:ext>
-            </a:extLst>
-          </p:cNvPr>
-          <p:cNvPicPr>
-            <a:picLocks noChangeAspect="1"/>
-          </p:cNvPicPr>
-          <p:nvPr/>
-        </p:nvPicPr>
-        <p:blipFill>
-          <a:blip r:embed="rId4">
-            <a:extLst>
-              <a:ext uri="{28A0092B-C50C-407E-A947-70E740481C1C}">
-                <a14:useLocalDpi xmlns:a14="http://schemas.microsoft.com/office/drawing/2010/main" val="0"/>
-              </a:ext>
-            </a:extLst>
-          </a:blip>
-          <a:stretch>
-            <a:fillRect/>
-          </a:stretch>
-        </p:blipFill>
-        <p:spPr>
-          <a:xfrm>
-            <a:off x="5622377" y="2844800"/>
-            <a:ext cx="6569623" cy="1818912"/>
-          </a:xfrm>
-          <a:prstGeom prst="rect">
-            <a:avLst/>
-          </a:prstGeom>
-        </p:spPr>
-      </p:pic>
-    </p:spTree>
-    <p:extLst>
-      <p:ext uri="{BB962C8B-B14F-4D97-AF65-F5344CB8AC3E}">
-        <p14:creationId xmlns:p14="http://schemas.microsoft.com/office/powerpoint/2010/main" val="3592791607"/>
       </p:ext>
     </p:extLst>
   </p:cSld>
